--- a/document/595combine.pptx
+++ b/document/595combine.pptx
@@ -6,7 +6,7 @@
     <p:sldMasterId id="2147483661" r:id="rId2"/>
   </p:sldMasterIdLst>
   <p:notesMasterIdLst>
-    <p:notesMasterId r:id="rId29"/>
+    <p:notesMasterId r:id="rId30"/>
   </p:notesMasterIdLst>
   <p:sldIdLst>
     <p:sldId id="256" r:id="rId3"/>
@@ -21,20 +21,21 @@
     <p:sldId id="265" r:id="rId12"/>
     <p:sldId id="266" r:id="rId13"/>
     <p:sldId id="270" r:id="rId14"/>
-    <p:sldId id="271" r:id="rId15"/>
-    <p:sldId id="272" r:id="rId16"/>
-    <p:sldId id="273" r:id="rId17"/>
-    <p:sldId id="274" r:id="rId18"/>
-    <p:sldId id="275" r:id="rId19"/>
-    <p:sldId id="276" r:id="rId20"/>
-    <p:sldId id="277" r:id="rId21"/>
-    <p:sldId id="278" r:id="rId22"/>
-    <p:sldId id="279" r:id="rId23"/>
-    <p:sldId id="280" r:id="rId24"/>
-    <p:sldId id="281" r:id="rId25"/>
-    <p:sldId id="282" r:id="rId26"/>
-    <p:sldId id="283" r:id="rId27"/>
-    <p:sldId id="284" r:id="rId28"/>
+    <p:sldId id="285" r:id="rId15"/>
+    <p:sldId id="271" r:id="rId16"/>
+    <p:sldId id="272" r:id="rId17"/>
+    <p:sldId id="273" r:id="rId18"/>
+    <p:sldId id="274" r:id="rId19"/>
+    <p:sldId id="275" r:id="rId20"/>
+    <p:sldId id="276" r:id="rId21"/>
+    <p:sldId id="277" r:id="rId22"/>
+    <p:sldId id="278" r:id="rId23"/>
+    <p:sldId id="279" r:id="rId24"/>
+    <p:sldId id="280" r:id="rId25"/>
+    <p:sldId id="281" r:id="rId26"/>
+    <p:sldId id="282" r:id="rId27"/>
+    <p:sldId id="283" r:id="rId28"/>
+    <p:sldId id="284" r:id="rId29"/>
   </p:sldIdLst>
   <p:sldSz cx="13004800" cy="9753600"/>
   <p:notesSz cx="6858000" cy="9144000"/>
@@ -4369,7 +4370,7 @@
           </a:ln>
           <a:extLst>
             <a:ext uri="{C572A759-6A51-4108-AA02-DFA0A04FC94B}">
-              <ma14:wrappingTextBoxFlag xmlns="" xmlns:ma14="http://schemas.microsoft.com/office/mac/drawingml/2011/main" val="1"/>
+              <ma14:wrappingTextBoxFlag xmlns:ma14="http://schemas.microsoft.com/office/mac/drawingml/2011/main" xmlns="" val="1"/>
             </a:ext>
           </a:extLst>
         </p:spPr>
@@ -4458,7 +4459,7 @@
           </a:ln>
           <a:extLst>
             <a:ext uri="{C572A759-6A51-4108-AA02-DFA0A04FC94B}">
-              <ma14:wrappingTextBoxFlag xmlns="" xmlns:ma14="http://schemas.microsoft.com/office/mac/drawingml/2011/main" val="1"/>
+              <ma14:wrappingTextBoxFlag xmlns:ma14="http://schemas.microsoft.com/office/mac/drawingml/2011/main" xmlns="" val="1"/>
             </a:ext>
           </a:extLst>
         </p:spPr>
@@ -6238,7 +6239,7 @@
           </a:ln>
           <a:extLst>
             <a:ext uri="{C572A759-6A51-4108-AA02-DFA0A04FC94B}">
-              <ma14:wrappingTextBoxFlag xmlns="" xmlns:ma14="http://schemas.microsoft.com/office/mac/drawingml/2011/main" val="1"/>
+              <ma14:wrappingTextBoxFlag xmlns:ma14="http://schemas.microsoft.com/office/mac/drawingml/2011/main" xmlns="" val="1"/>
             </a:ext>
           </a:extLst>
         </p:spPr>
@@ -6273,7 +6274,7 @@
           </a:ln>
           <a:extLst>
             <a:ext uri="{C572A759-6A51-4108-AA02-DFA0A04FC94B}">
-              <ma14:wrappingTextBoxFlag xmlns="" xmlns:ma14="http://schemas.microsoft.com/office/mac/drawingml/2011/main" val="1"/>
+              <ma14:wrappingTextBoxFlag xmlns:ma14="http://schemas.microsoft.com/office/mac/drawingml/2011/main" xmlns="" val="1"/>
             </a:ext>
           </a:extLst>
         </p:spPr>
@@ -6441,7 +6442,7 @@
           </a:ln>
           <a:extLst>
             <a:ext uri="{C572A759-6A51-4108-AA02-DFA0A04FC94B}">
-              <ma14:wrappingTextBoxFlag xmlns="" xmlns:ma14="http://schemas.microsoft.com/office/mac/drawingml/2011/main" val="1"/>
+              <ma14:wrappingTextBoxFlag xmlns:ma14="http://schemas.microsoft.com/office/mac/drawingml/2011/main" xmlns="" val="1"/>
             </a:ext>
           </a:extLst>
         </p:spPr>
@@ -6511,7 +6512,7 @@
           <a:p>
             <a:r>
               <a:rPr lang="en-US" dirty="0"/>
-              <a:t>Data clustering – unsupervised approach</a:t>
+              <a:t>Data clustering  unsupervised\semi-supervised approach</a:t>
             </a:r>
           </a:p>
         </p:txBody>
@@ -6552,6 +6553,178 @@
 </file>
 
 <file path=ppt/slides/slide13.xml><?xml version="1.0" encoding="utf-8"?>
+<p:sld xmlns:a="http://schemas.openxmlformats.org/drawingml/2006/main" xmlns:r="http://schemas.openxmlformats.org/officeDocument/2006/relationships" xmlns:p="http://schemas.openxmlformats.org/presentationml/2006/main">
+  <p:cSld>
+    <p:bg>
+      <p:bgPr>
+        <a:solidFill>
+          <a:schemeClr val="accent1">
+            <a:lumMod val="20000"/>
+            <a:lumOff val="80000"/>
+          </a:schemeClr>
+        </a:solidFill>
+        <a:effectLst/>
+      </p:bgPr>
+    </p:bg>
+    <p:spTree>
+      <p:nvGrpSpPr>
+        <p:cNvPr id="1" name=""/>
+        <p:cNvGrpSpPr/>
+        <p:nvPr/>
+      </p:nvGrpSpPr>
+      <p:grpSpPr>
+        <a:xfrm>
+          <a:off x="0" y="0"/>
+          <a:ext cx="0" cy="0"/>
+          <a:chOff x="0" y="0"/>
+          <a:chExt cx="0" cy="0"/>
+        </a:xfrm>
+      </p:grpSpPr>
+      <p:sp>
+        <p:nvSpPr>
+          <p:cNvPr id="2" name="Title 1"/>
+          <p:cNvSpPr>
+            <a:spLocks noGrp="1"/>
+          </p:cNvSpPr>
+          <p:nvPr>
+            <p:ph type="title"/>
+          </p:nvPr>
+        </p:nvSpPr>
+        <p:spPr/>
+        <p:txBody>
+          <a:bodyPr/>
+          <a:lstStyle/>
+          <a:p>
+            <a:r>
+              <a:rPr lang="en-US" dirty="0"/>
+              <a:t>Unsupervised/(semi-supervised)</a:t>
+            </a:r>
+            <a:br>
+              <a:rPr lang="en-US" dirty="0"/>
+            </a:br>
+            <a:r>
+              <a:rPr lang="en-US" dirty="0"/>
+              <a:t> learning Scheme	</a:t>
+            </a:r>
+          </a:p>
+        </p:txBody>
+      </p:sp>
+      <p:sp>
+        <p:nvSpPr>
+          <p:cNvPr id="3" name="Content Placeholder 2"/>
+          <p:cNvSpPr>
+            <a:spLocks noGrp="1"/>
+          </p:cNvSpPr>
+          <p:nvPr>
+            <p:ph idx="1"/>
+          </p:nvPr>
+        </p:nvSpPr>
+        <p:spPr/>
+        <p:txBody>
+          <a:bodyPr>
+            <a:normAutofit fontScale="92500" lnSpcReduction="10000"/>
+          </a:bodyPr>
+          <a:lstStyle/>
+          <a:p>
+            <a:r>
+              <a:rPr lang="en-US" dirty="0"/>
+              <a:t>Metrics </a:t>
+            </a:r>
+          </a:p>
+          <a:p>
+            <a:r>
+              <a:rPr lang="en-US" dirty="0"/>
+              <a:t>Dimension Reduction algorithm</a:t>
+            </a:r>
+          </a:p>
+          <a:p>
+            <a:pPr lvl="1"/>
+            <a:r>
+              <a:rPr lang="en-US" dirty="0"/>
+              <a:t>t-SNE (chosen)</a:t>
+            </a:r>
+          </a:p>
+          <a:p>
+            <a:pPr lvl="1"/>
+            <a:r>
+              <a:rPr lang="en-US" dirty="0"/>
+              <a:t>SIMLR</a:t>
+            </a:r>
+          </a:p>
+          <a:p>
+            <a:r>
+              <a:rPr lang="en-US" dirty="0"/>
+              <a:t>Dimension reduction Result</a:t>
+            </a:r>
+          </a:p>
+          <a:p>
+            <a:endParaRPr lang="en-US" dirty="0"/>
+          </a:p>
+          <a:p>
+            <a:r>
+              <a:rPr lang="en-US" dirty="0"/>
+              <a:t>Problem analysis– solve an easier problem, a semi-supervised</a:t>
+            </a:r>
+          </a:p>
+          <a:p>
+            <a:endParaRPr lang="en-US" dirty="0"/>
+          </a:p>
+          <a:p>
+            <a:r>
+              <a:rPr lang="en-US" dirty="0"/>
+              <a:t>New algorithm</a:t>
+            </a:r>
+          </a:p>
+          <a:p>
+            <a:pPr lvl="1"/>
+            <a:r>
+              <a:rPr lang="en-US" dirty="0" err="1"/>
+              <a:t>Graphcut</a:t>
+            </a:r>
+            <a:endParaRPr lang="en-US" dirty="0"/>
+          </a:p>
+          <a:p>
+            <a:pPr lvl="1"/>
+            <a:r>
+              <a:rPr lang="en-US" dirty="0" err="1"/>
+              <a:t>Kmean</a:t>
+            </a:r>
+            <a:r>
+              <a:rPr lang="en-US" dirty="0"/>
+              <a:t>++</a:t>
+            </a:r>
+          </a:p>
+          <a:p>
+            <a:endParaRPr lang="en-US" dirty="0"/>
+          </a:p>
+          <a:p>
+            <a:r>
+              <a:rPr lang="en-US" dirty="0"/>
+              <a:t>Results</a:t>
+            </a:r>
+          </a:p>
+          <a:p>
+            <a:r>
+              <a:rPr lang="en-US" dirty="0"/>
+              <a:t>Evaluation</a:t>
+            </a:r>
+          </a:p>
+        </p:txBody>
+      </p:sp>
+    </p:spTree>
+    <p:extLst>
+      <p:ext uri="{BB962C8B-B14F-4D97-AF65-F5344CB8AC3E}">
+        <p14:creationId xmlns:p14="http://schemas.microsoft.com/office/powerpoint/2010/main" val="3993973483"/>
+      </p:ext>
+    </p:extLst>
+  </p:cSld>
+  <p:clrMapOvr>
+    <a:masterClrMapping/>
+  </p:clrMapOvr>
+</p:sld>
+</file>
+
+<file path=ppt/slides/slide14.xml><?xml version="1.0" encoding="utf-8"?>
 <p:sld xmlns:a="http://schemas.openxmlformats.org/drawingml/2006/main" xmlns:r="http://schemas.openxmlformats.org/officeDocument/2006/relationships" xmlns:p="http://schemas.openxmlformats.org/presentationml/2006/main">
   <p:cSld>
     <p:bg>
@@ -6813,7 +6986,7 @@
 </p:sld>
 </file>
 
-<file path=ppt/slides/slide14.xml><?xml version="1.0" encoding="utf-8"?>
+<file path=ppt/slides/slide15.xml><?xml version="1.0" encoding="utf-8"?>
 <p:sld xmlns:a="http://schemas.openxmlformats.org/drawingml/2006/main" xmlns:r="http://schemas.openxmlformats.org/officeDocument/2006/relationships" xmlns:p="http://schemas.openxmlformats.org/presentationml/2006/main">
   <p:cSld>
     <p:bg>
@@ -7120,7 +7293,7 @@
 </p:sld>
 </file>
 
-<file path=ppt/slides/slide15.xml><?xml version="1.0" encoding="utf-8"?>
+<file path=ppt/slides/slide16.xml><?xml version="1.0" encoding="utf-8"?>
 <p:sld xmlns:a="http://schemas.openxmlformats.org/drawingml/2006/main" xmlns:r="http://schemas.openxmlformats.org/officeDocument/2006/relationships" xmlns:p="http://schemas.openxmlformats.org/presentationml/2006/main">
   <p:cSld>
     <p:bg>
@@ -7399,7 +7572,7 @@
 </p:sld>
 </file>
 
-<file path=ppt/slides/slide16.xml><?xml version="1.0" encoding="utf-8"?>
+<file path=ppt/slides/slide17.xml><?xml version="1.0" encoding="utf-8"?>
 <p:sld xmlns:a="http://schemas.openxmlformats.org/drawingml/2006/main" xmlns:r="http://schemas.openxmlformats.org/officeDocument/2006/relationships" xmlns:p="http://schemas.openxmlformats.org/presentationml/2006/main">
   <p:cSld>
     <p:bg>
@@ -7499,8 +7672,8 @@
         </p:blipFill>
         <p:spPr bwMode="auto">
           <a:xfrm>
-            <a:off x="474250" y="3542615"/>
-            <a:ext cx="3886990" cy="2793475"/>
+            <a:off x="474250" y="3489661"/>
+            <a:ext cx="3960674" cy="2846430"/>
           </a:xfrm>
           <a:prstGeom prst="rect">
             <a:avLst/>
@@ -7553,8 +7726,8 @@
         </p:blipFill>
         <p:spPr bwMode="auto">
           <a:xfrm>
-            <a:off x="4747346" y="3542615"/>
-            <a:ext cx="2833554" cy="2833554"/>
+            <a:off x="4747345" y="3489660"/>
+            <a:ext cx="2886509" cy="2886509"/>
           </a:xfrm>
           <a:prstGeom prst="rect">
             <a:avLst/>
@@ -7625,7 +7798,7 @@
         </p:nvSpPr>
         <p:spPr>
           <a:xfrm>
-            <a:off x="2011260" y="2941215"/>
+            <a:off x="2087460" y="2236526"/>
             <a:ext cx="3201871" cy="387798"/>
           </a:xfrm>
           <a:prstGeom prst="rect">
@@ -7700,7 +7873,7 @@
 </p:sld>
 </file>
 
-<file path=ppt/slides/slide17.xml><?xml version="1.0" encoding="utf-8"?>
+<file path=ppt/slides/slide18.xml><?xml version="1.0" encoding="utf-8"?>
 <p:sld xmlns:a="http://schemas.openxmlformats.org/drawingml/2006/main" xmlns:r="http://schemas.openxmlformats.org/officeDocument/2006/relationships" xmlns:p="http://schemas.openxmlformats.org/presentationml/2006/main">
   <p:cSld>
     <p:bg>
@@ -7738,11 +7911,17 @@
             <p:ph type="title"/>
           </p:nvPr>
         </p:nvSpPr>
-        <p:spPr/>
+        <p:spPr>
+          <a:xfrm>
+            <a:off x="1420552" y="269907"/>
+            <a:ext cx="11216640" cy="1885245"/>
+          </a:xfrm>
+        </p:spPr>
         <p:txBody>
           <a:bodyPr/>
           <a:lstStyle/>
           <a:p>
+            <a:pPr algn="ctr"/>
             <a:r>
               <a:rPr lang="en-US" dirty="0"/>
               <a:t>Problem analysis</a:t>
@@ -7774,8 +7953,8 @@
         </p:blipFill>
         <p:spPr>
           <a:xfrm>
-            <a:off x="308865" y="3484119"/>
-            <a:ext cx="5417345" cy="3889938"/>
+            <a:off x="1257900" y="5193604"/>
+            <a:ext cx="4089953" cy="2936801"/>
           </a:xfrm>
         </p:spPr>
       </p:pic>
@@ -7787,8 +7966,8 @@
         </p:nvSpPr>
         <p:spPr>
           <a:xfrm>
-            <a:off x="7271478" y="3022601"/>
-            <a:ext cx="4715361" cy="4524315"/>
+            <a:off x="1420552" y="1642125"/>
+            <a:ext cx="10266218" cy="2862322"/>
           </a:xfrm>
           <a:prstGeom prst="rect">
             <a:avLst/>
@@ -7801,8 +7980,8 @@
           </a:bodyPr>
           <a:lstStyle/>
           <a:p>
-            <a:pPr defTabSz="975390" hangingPunct="1"/>
-            <a:endParaRPr lang="en-US" sz="1920" dirty="0">
+            <a:pPr algn="l" defTabSz="975390" hangingPunct="1"/>
+            <a:endParaRPr lang="en-US" sz="1800" dirty="0">
               <a:solidFill>
                 <a:sysClr val="windowText" lastClr="000000"/>
               </a:solidFill>
@@ -7810,18 +7989,9 @@
             </a:endParaRPr>
           </a:p>
           <a:p>
-            <a:pPr defTabSz="975390" hangingPunct="1"/>
-            <a:endParaRPr lang="en-US" sz="1920" dirty="0">
-              <a:solidFill>
-                <a:sysClr val="windowText" lastClr="000000"/>
-              </a:solidFill>
-              <a:effectLst/>
-            </a:endParaRPr>
-          </a:p>
-          <a:p>
-            <a:pPr defTabSz="975390" hangingPunct="1"/>
-            <a:r>
-              <a:rPr lang="en-US" sz="1920" dirty="0">
+            <a:pPr algn="l" defTabSz="975390" hangingPunct="1"/>
+            <a:r>
+              <a:rPr lang="en-US" sz="1800" dirty="0">
                 <a:solidFill>
                   <a:sysClr val="windowText" lastClr="000000"/>
                 </a:solidFill>
@@ -7831,8 +8001,8 @@
             </a:r>
           </a:p>
           <a:p>
-            <a:pPr defTabSz="975390" hangingPunct="1"/>
-            <a:endParaRPr lang="en-US" sz="1920" dirty="0">
+            <a:pPr algn="l" defTabSz="975390" hangingPunct="1"/>
+            <a:endParaRPr lang="en-US" sz="1800" dirty="0">
               <a:solidFill>
                 <a:sysClr val="windowText" lastClr="000000"/>
               </a:solidFill>
@@ -7840,9 +8010,9 @@
             </a:endParaRPr>
           </a:p>
           <a:p>
-            <a:pPr defTabSz="975390" hangingPunct="1"/>
-            <a:r>
-              <a:rPr lang="en-US" sz="1920" dirty="0">
+            <a:pPr algn="l" defTabSz="975390" hangingPunct="1"/>
+            <a:r>
+              <a:rPr lang="en-US" sz="1800" dirty="0">
                 <a:solidFill>
                   <a:sysClr val="windowText" lastClr="000000"/>
                 </a:solidFill>
@@ -7852,8 +8022,8 @@
             </a:r>
           </a:p>
           <a:p>
-            <a:pPr defTabSz="975390" hangingPunct="1"/>
-            <a:endParaRPr lang="en-US" sz="1920" dirty="0">
+            <a:pPr algn="l" defTabSz="975390" hangingPunct="1"/>
+            <a:endParaRPr lang="en-US" sz="1800" dirty="0">
               <a:solidFill>
                 <a:sysClr val="windowText" lastClr="000000"/>
               </a:solidFill>
@@ -7861,8 +8031,8 @@
             </a:endParaRPr>
           </a:p>
           <a:p>
-            <a:pPr defTabSz="975390" hangingPunct="1"/>
-            <a:endParaRPr lang="en-US" sz="1920" dirty="0">
+            <a:pPr algn="l" defTabSz="975390" hangingPunct="1"/>
+            <a:endParaRPr lang="en-US" sz="1800" dirty="0">
               <a:solidFill>
                 <a:sysClr val="windowText" lastClr="000000"/>
               </a:solidFill>
@@ -7870,9 +8040,9 @@
             </a:endParaRPr>
           </a:p>
           <a:p>
-            <a:pPr defTabSz="975390" hangingPunct="1"/>
-            <a:r>
-              <a:rPr lang="en-US" sz="1920" dirty="0">
+            <a:pPr algn="l" defTabSz="975390" hangingPunct="1"/>
+            <a:r>
+              <a:rPr lang="en-US" sz="1800" dirty="0">
                 <a:solidFill>
                   <a:sysClr val="windowText" lastClr="000000"/>
                 </a:solidFill>
@@ -7882,13 +8052,151 @@
             </a:r>
           </a:p>
           <a:p>
-            <a:pPr defTabSz="975390" hangingPunct="1"/>
-            <a:endParaRPr lang="en-US" sz="1920" dirty="0">
+            <a:pPr algn="l" defTabSz="975390" hangingPunct="1"/>
+            <a:endParaRPr lang="en-US" sz="1800" dirty="0">
               <a:solidFill>
                 <a:sysClr val="windowText" lastClr="000000"/>
               </a:solidFill>
               <a:effectLst/>
             </a:endParaRPr>
+          </a:p>
+        </p:txBody>
+      </p:sp>
+      <p:sp>
+        <p:nvSpPr>
+          <p:cNvPr id="3" name="Arrow: Right 2"/>
+          <p:cNvSpPr/>
+          <p:nvPr/>
+        </p:nvSpPr>
+        <p:spPr>
+          <a:xfrm>
+            <a:off x="5805053" y="6276107"/>
+            <a:ext cx="978408" cy="484632"/>
+          </a:xfrm>
+          <a:prstGeom prst="rightArrow">
+            <a:avLst/>
+          </a:prstGeom>
+        </p:spPr>
+        <p:style>
+          <a:lnRef idx="2">
+            <a:schemeClr val="accent1">
+              <a:shade val="50000"/>
+            </a:schemeClr>
+          </a:lnRef>
+          <a:fillRef idx="1">
+            <a:schemeClr val="accent1"/>
+          </a:fillRef>
+          <a:effectRef idx="0">
+            <a:schemeClr val="accent1"/>
+          </a:effectRef>
+          <a:fontRef idx="minor">
+            <a:schemeClr val="lt1"/>
+          </a:fontRef>
+        </p:style>
+        <p:txBody>
+          <a:bodyPr rtlCol="0" anchor="ctr"/>
+          <a:lstStyle/>
+          <a:p>
+            <a:pPr algn="ctr"/>
+            <a:endParaRPr lang="en-US"/>
+          </a:p>
+        </p:txBody>
+      </p:sp>
+      <p:sp>
+        <p:nvSpPr>
+          <p:cNvPr id="4" name="TextBox 3"/>
+          <p:cNvSpPr txBox="1"/>
+          <p:nvPr/>
+        </p:nvSpPr>
+        <p:spPr>
+          <a:xfrm>
+            <a:off x="2015835" y="4578926"/>
+            <a:ext cx="2978728" cy="646331"/>
+          </a:xfrm>
+          <a:prstGeom prst="rect">
+            <a:avLst/>
+          </a:prstGeom>
+          <a:noFill/>
+        </p:spPr>
+        <p:txBody>
+          <a:bodyPr wrap="square" rtlCol="0">
+            <a:spAutoFit/>
+          </a:bodyPr>
+          <a:lstStyle/>
+          <a:p>
+            <a:r>
+              <a:rPr lang="en-US" sz="3600" dirty="0">
+                <a:solidFill>
+                  <a:schemeClr val="tx1"/>
+                </a:solidFill>
+                <a:effectLst/>
+              </a:rPr>
+              <a:t>Old problem</a:t>
+            </a:r>
+          </a:p>
+        </p:txBody>
+      </p:sp>
+      <p:pic>
+        <p:nvPicPr>
+          <p:cNvPr id="8" name="Picture 7"/>
+          <p:cNvPicPr>
+            <a:picLocks noChangeAspect="1"/>
+          </p:cNvPicPr>
+          <p:nvPr/>
+        </p:nvPicPr>
+        <p:blipFill>
+          <a:blip r:embed="rId3">
+            <a:extLst>
+              <a:ext uri="{28A0092B-C50C-407E-A947-70E740481C1C}">
+                <a14:useLocalDpi xmlns:a14="http://schemas.microsoft.com/office/drawing/2010/main" val="0"/>
+              </a:ext>
+            </a:extLst>
+          </a:blip>
+          <a:stretch>
+            <a:fillRect/>
+          </a:stretch>
+        </p:blipFill>
+        <p:spPr>
+          <a:xfrm>
+            <a:off x="6971556" y="5225257"/>
+            <a:ext cx="4275338" cy="2905148"/>
+          </a:xfrm>
+          <a:prstGeom prst="rect">
+            <a:avLst/>
+          </a:prstGeom>
+        </p:spPr>
+      </p:pic>
+      <p:sp>
+        <p:nvSpPr>
+          <p:cNvPr id="10" name="TextBox 9"/>
+          <p:cNvSpPr txBox="1"/>
+          <p:nvPr/>
+        </p:nvSpPr>
+        <p:spPr>
+          <a:xfrm>
+            <a:off x="7564580" y="4547273"/>
+            <a:ext cx="2978728" cy="646331"/>
+          </a:xfrm>
+          <a:prstGeom prst="rect">
+            <a:avLst/>
+          </a:prstGeom>
+          <a:noFill/>
+        </p:spPr>
+        <p:txBody>
+          <a:bodyPr wrap="square" rtlCol="0">
+            <a:spAutoFit/>
+          </a:bodyPr>
+          <a:lstStyle/>
+          <a:p>
+            <a:r>
+              <a:rPr lang="en-US" sz="3600" dirty="0">
+                <a:solidFill>
+                  <a:schemeClr val="tx1"/>
+                </a:solidFill>
+                <a:effectLst/>
+              </a:rPr>
+              <a:t>New problem</a:t>
+            </a:r>
           </a:p>
         </p:txBody>
       </p:sp>
@@ -7905,7 +8213,7 @@
 </p:sld>
 </file>
 
-<file path=ppt/slides/slide18.xml><?xml version="1.0" encoding="utf-8"?>
+<file path=ppt/slides/slide19.xml><?xml version="1.0" encoding="utf-8"?>
 <p:sld xmlns:a="http://schemas.openxmlformats.org/drawingml/2006/main" xmlns:r="http://schemas.openxmlformats.org/officeDocument/2006/relationships" xmlns:p="http://schemas.openxmlformats.org/presentationml/2006/main">
   <p:cSld>
     <p:bg>
@@ -7951,7 +8259,7 @@
           <a:p>
             <a:r>
               <a:rPr lang="en-US" dirty="0"/>
-              <a:t>Two approaches:</a:t>
+              <a:t>Two approaches to new problems: (assumed some nodes are given ground truth label)</a:t>
             </a:r>
           </a:p>
         </p:txBody>
@@ -7973,21 +8281,25 @@
           <a:p>
             <a:r>
               <a:rPr lang="en-US" dirty="0" err="1"/>
+              <a:t>GraphCut</a:t>
+            </a:r>
+            <a:r>
+              <a:rPr lang="en-US" dirty="0"/>
+              <a:t> : borrowed technique from image segmentation</a:t>
+            </a:r>
+          </a:p>
+          <a:p>
+            <a:r>
+              <a:rPr lang="en-US" dirty="0" err="1"/>
               <a:t>Kmeans</a:t>
             </a:r>
             <a:r>
               <a:rPr lang="en-US" dirty="0"/>
               <a:t>++</a:t>
             </a:r>
-          </a:p>
-          <a:p>
-            <a:r>
-              <a:rPr lang="en-US" dirty="0" err="1"/>
-              <a:t>GraphCut</a:t>
-            </a:r>
             <a:r>
               <a:rPr lang="en-US" dirty="0"/>
-              <a:t> : borrowed technique from image segmentation </a:t>
+              <a:t> </a:t>
             </a:r>
           </a:p>
           <a:p>
@@ -8098,7 +8410,177 @@
 </p:sld>
 </file>
 
-<file path=ppt/slides/slide19.xml><?xml version="1.0" encoding="utf-8"?>
+<file path=ppt/slides/slide2.xml><?xml version="1.0" encoding="utf-8"?>
+<p:sld xmlns:a="http://schemas.openxmlformats.org/drawingml/2006/main" xmlns:r="http://schemas.openxmlformats.org/officeDocument/2006/relationships" xmlns:p="http://schemas.openxmlformats.org/presentationml/2006/main">
+  <p:cSld>
+    <p:spTree>
+      <p:nvGrpSpPr>
+        <p:cNvPr id="1" name=""/>
+        <p:cNvGrpSpPr/>
+        <p:nvPr/>
+      </p:nvGrpSpPr>
+      <p:grpSpPr>
+        <a:xfrm>
+          <a:off x="0" y="0"/>
+          <a:ext cx="0" cy="0"/>
+          <a:chOff x="0" y="0"/>
+          <a:chExt cx="0" cy="0"/>
+        </a:xfrm>
+      </p:grpSpPr>
+      <p:sp>
+        <p:nvSpPr>
+          <p:cNvPr id="125" name="Project Scheme"/>
+          <p:cNvSpPr>
+            <a:spLocks noGrp="1"/>
+          </p:cNvSpPr>
+          <p:nvPr>
+            <p:ph type="title"/>
+          </p:nvPr>
+        </p:nvSpPr>
+        <p:spPr>
+          <a:xfrm>
+            <a:off x="322407" y="418997"/>
+            <a:ext cx="6643140" cy="1136058"/>
+          </a:xfrm>
+          <a:prstGeom prst="rect">
+            <a:avLst/>
+          </a:prstGeom>
+        </p:spPr>
+        <p:txBody>
+          <a:bodyPr/>
+          <a:lstStyle/>
+          <a:p>
+            <a:pPr defTabSz="549148">
+              <a:defRPr sz="6768">
+                <a:solidFill>
+                  <a:srgbClr val="FFFB00"/>
+                </a:solidFill>
+                <a:effectLst>
+                  <a:outerShdw blurRad="47752" dist="35814" dir="5400000" rotWithShape="0">
+                    <a:srgbClr val="000000"/>
+                  </a:outerShdw>
+                </a:effectLst>
+              </a:defRPr>
+            </a:pPr>
+            <a:r>
+              <a:rPr lang="en-US" dirty="0"/>
+              <a:t>Background</a:t>
+            </a:r>
+            <a:endParaRPr dirty="0"/>
+          </a:p>
+        </p:txBody>
+      </p:sp>
+      <p:sp>
+        <p:nvSpPr>
+          <p:cNvPr id="126" name="Target: Classification From Feature Analysis of The Reads Data…"/>
+          <p:cNvSpPr>
+            <a:spLocks noGrp="1"/>
+          </p:cNvSpPr>
+          <p:nvPr>
+            <p:ph type="body" idx="1"/>
+          </p:nvPr>
+        </p:nvSpPr>
+        <p:spPr>
+          <a:xfrm>
+            <a:off x="680870" y="2019299"/>
+            <a:ext cx="11751866" cy="6402237"/>
+          </a:xfrm>
+          <a:prstGeom prst="rect">
+            <a:avLst/>
+          </a:prstGeom>
+        </p:spPr>
+        <p:txBody>
+          <a:bodyPr anchor="t"/>
+          <a:lstStyle/>
+          <a:p>
+            <a:pPr marL="518583" indent="-518583">
+              <a:buSzPct val="75000"/>
+              <a:buChar char="•"/>
+            </a:pPr>
+            <a:r>
+              <a:rPr lang="en-US" dirty="0"/>
+              <a:t>For forensic investigation, it’s important to determine where a DNA sample was sequenced </a:t>
+            </a:r>
+          </a:p>
+          <a:p>
+            <a:pPr marL="518583" indent="-518583">
+              <a:buSzPct val="75000"/>
+              <a:buChar char="•"/>
+            </a:pPr>
+            <a:r>
+              <a:rPr lang="en-US" dirty="0"/>
+              <a:t>Datasets from different sequencing institutions  may have informative features which makes it possible to use machine learning to do the classification</a:t>
+            </a:r>
+          </a:p>
+          <a:p>
+            <a:pPr marL="518583" indent="-518583">
+              <a:buSzPct val="75000"/>
+              <a:buChar char="•"/>
+            </a:pPr>
+            <a:r>
+              <a:rPr lang="en-US" dirty="0"/>
+              <a:t>We will focus on institutions that have sequenced Escherichia coli using Illumina </a:t>
+            </a:r>
+            <a:r>
+              <a:rPr lang="en-US" dirty="0" err="1"/>
+              <a:t>MiSeqs</a:t>
+            </a:r>
+            <a:endParaRPr lang="en-US" dirty="0"/>
+          </a:p>
+          <a:p>
+            <a:pPr>
+              <a:buSzPct val="75000"/>
+              <a:buChar char="•"/>
+            </a:pPr>
+            <a:endParaRPr dirty="0"/>
+          </a:p>
+        </p:txBody>
+      </p:sp>
+      <p:pic>
+        <p:nvPicPr>
+          <p:cNvPr id="4" name="Scanning_electron_micrograph_of_an_E._coli_colony.jpg" descr="Scanning_electron_micrograph_of_an_E._coli_colony.jpg">
+            <a:extLst>
+              <a:ext uri="{FF2B5EF4-FFF2-40B4-BE49-F238E27FC236}">
+                <a16:creationId xmlns:a16="http://schemas.microsoft.com/office/drawing/2014/main" id="{D5C74389-F324-4A8D-B441-B515FF813205}"/>
+              </a:ext>
+            </a:extLst>
+          </p:cNvPr>
+          <p:cNvPicPr>
+            <a:picLocks noChangeAspect="1"/>
+          </p:cNvPicPr>
+          <p:nvPr/>
+        </p:nvPicPr>
+        <p:blipFill>
+          <a:blip r:embed="rId2">
+            <a:extLst/>
+          </a:blip>
+          <a:stretch>
+            <a:fillRect/>
+          </a:stretch>
+        </p:blipFill>
+        <p:spPr>
+          <a:xfrm>
+            <a:off x="8536700" y="6504320"/>
+            <a:ext cx="4322913" cy="2933406"/>
+          </a:xfrm>
+          <a:prstGeom prst="rect">
+            <a:avLst/>
+          </a:prstGeom>
+          <a:ln w="12700">
+            <a:miter lim="400000"/>
+          </a:ln>
+        </p:spPr>
+      </p:pic>
+    </p:spTree>
+  </p:cSld>
+  <p:clrMapOvr>
+    <a:masterClrMapping/>
+  </p:clrMapOvr>
+  <p:transition spd="med"/>
+</p:sld>
+</file>
+
+<file path=ppt/slides/slide20.xml><?xml version="1.0" encoding="utf-8"?>
 <p:sld xmlns:a="http://schemas.openxmlformats.org/drawingml/2006/main" xmlns:r="http://schemas.openxmlformats.org/officeDocument/2006/relationships" xmlns:p="http://schemas.openxmlformats.org/presentationml/2006/main">
   <p:cSld>
     <p:bg>
@@ -8456,177 +8938,7 @@
 </p:sld>
 </file>
 
-<file path=ppt/slides/slide2.xml><?xml version="1.0" encoding="utf-8"?>
-<p:sld xmlns:a="http://schemas.openxmlformats.org/drawingml/2006/main" xmlns:r="http://schemas.openxmlformats.org/officeDocument/2006/relationships" xmlns:p="http://schemas.openxmlformats.org/presentationml/2006/main">
-  <p:cSld>
-    <p:spTree>
-      <p:nvGrpSpPr>
-        <p:cNvPr id="1" name=""/>
-        <p:cNvGrpSpPr/>
-        <p:nvPr/>
-      </p:nvGrpSpPr>
-      <p:grpSpPr>
-        <a:xfrm>
-          <a:off x="0" y="0"/>
-          <a:ext cx="0" cy="0"/>
-          <a:chOff x="0" y="0"/>
-          <a:chExt cx="0" cy="0"/>
-        </a:xfrm>
-      </p:grpSpPr>
-      <p:sp>
-        <p:nvSpPr>
-          <p:cNvPr id="125" name="Project Scheme"/>
-          <p:cNvSpPr>
-            <a:spLocks noGrp="1"/>
-          </p:cNvSpPr>
-          <p:nvPr>
-            <p:ph type="title"/>
-          </p:nvPr>
-        </p:nvSpPr>
-        <p:spPr>
-          <a:xfrm>
-            <a:off x="322407" y="418997"/>
-            <a:ext cx="6643140" cy="1136058"/>
-          </a:xfrm>
-          <a:prstGeom prst="rect">
-            <a:avLst/>
-          </a:prstGeom>
-        </p:spPr>
-        <p:txBody>
-          <a:bodyPr/>
-          <a:lstStyle/>
-          <a:p>
-            <a:pPr defTabSz="549148">
-              <a:defRPr sz="6768">
-                <a:solidFill>
-                  <a:srgbClr val="FFFB00"/>
-                </a:solidFill>
-                <a:effectLst>
-                  <a:outerShdw blurRad="47752" dist="35814" dir="5400000" rotWithShape="0">
-                    <a:srgbClr val="000000"/>
-                  </a:outerShdw>
-                </a:effectLst>
-              </a:defRPr>
-            </a:pPr>
-            <a:r>
-              <a:rPr lang="en-US" dirty="0"/>
-              <a:t>Background</a:t>
-            </a:r>
-            <a:endParaRPr dirty="0"/>
-          </a:p>
-        </p:txBody>
-      </p:sp>
-      <p:sp>
-        <p:nvSpPr>
-          <p:cNvPr id="126" name="Target: Classification From Feature Analysis of The Reads Data…"/>
-          <p:cNvSpPr>
-            <a:spLocks noGrp="1"/>
-          </p:cNvSpPr>
-          <p:nvPr>
-            <p:ph type="body" idx="1"/>
-          </p:nvPr>
-        </p:nvSpPr>
-        <p:spPr>
-          <a:xfrm>
-            <a:off x="680870" y="2019299"/>
-            <a:ext cx="11751866" cy="6402237"/>
-          </a:xfrm>
-          <a:prstGeom prst="rect">
-            <a:avLst/>
-          </a:prstGeom>
-        </p:spPr>
-        <p:txBody>
-          <a:bodyPr anchor="t"/>
-          <a:lstStyle/>
-          <a:p>
-            <a:pPr marL="518583" indent="-518583">
-              <a:buSzPct val="75000"/>
-              <a:buChar char="•"/>
-            </a:pPr>
-            <a:r>
-              <a:rPr lang="en-US" dirty="0"/>
-              <a:t>For forensic investigation, it’s important to determine where a DNA sample was sequenced </a:t>
-            </a:r>
-          </a:p>
-          <a:p>
-            <a:pPr marL="518583" indent="-518583">
-              <a:buSzPct val="75000"/>
-              <a:buChar char="•"/>
-            </a:pPr>
-            <a:r>
-              <a:rPr lang="en-US" dirty="0"/>
-              <a:t>Datasets from different sequencing institutions  may have informative features which makes it possible to use machine learning to do the classification</a:t>
-            </a:r>
-          </a:p>
-          <a:p>
-            <a:pPr marL="518583" indent="-518583">
-              <a:buSzPct val="75000"/>
-              <a:buChar char="•"/>
-            </a:pPr>
-            <a:r>
-              <a:rPr lang="en-US" dirty="0"/>
-              <a:t>We will focus on institutions that have sequenced Escherichia coli using Illumina </a:t>
-            </a:r>
-            <a:r>
-              <a:rPr lang="en-US" dirty="0" err="1"/>
-              <a:t>MiSeqs</a:t>
-            </a:r>
-            <a:endParaRPr lang="en-US" dirty="0"/>
-          </a:p>
-          <a:p>
-            <a:pPr>
-              <a:buSzPct val="75000"/>
-              <a:buChar char="•"/>
-            </a:pPr>
-            <a:endParaRPr dirty="0"/>
-          </a:p>
-        </p:txBody>
-      </p:sp>
-      <p:pic>
-        <p:nvPicPr>
-          <p:cNvPr id="4" name="Scanning_electron_micrograph_of_an_E._coli_colony.jpg" descr="Scanning_electron_micrograph_of_an_E._coli_colony.jpg">
-            <a:extLst>
-              <a:ext uri="{FF2B5EF4-FFF2-40B4-BE49-F238E27FC236}">
-                <a16:creationId xmlns:a16="http://schemas.microsoft.com/office/drawing/2014/main" id="{D5C74389-F324-4A8D-B441-B515FF813205}"/>
-              </a:ext>
-            </a:extLst>
-          </p:cNvPr>
-          <p:cNvPicPr>
-            <a:picLocks noChangeAspect="1"/>
-          </p:cNvPicPr>
-          <p:nvPr/>
-        </p:nvPicPr>
-        <p:blipFill>
-          <a:blip r:embed="rId2">
-            <a:extLst/>
-          </a:blip>
-          <a:stretch>
-            <a:fillRect/>
-          </a:stretch>
-        </p:blipFill>
-        <p:spPr>
-          <a:xfrm>
-            <a:off x="8536700" y="6504320"/>
-            <a:ext cx="4322913" cy="2933406"/>
-          </a:xfrm>
-          <a:prstGeom prst="rect">
-            <a:avLst/>
-          </a:prstGeom>
-          <a:ln w="12700">
-            <a:miter lim="400000"/>
-          </a:ln>
-        </p:spPr>
-      </p:pic>
-    </p:spTree>
-  </p:cSld>
-  <p:clrMapOvr>
-    <a:masterClrMapping/>
-  </p:clrMapOvr>
-  <p:transition spd="med"/>
-</p:sld>
-</file>
-
-<file path=ppt/slides/slide20.xml><?xml version="1.0" encoding="utf-8"?>
+<file path=ppt/slides/slide21.xml><?xml version="1.0" encoding="utf-8"?>
 <p:sld xmlns:a="http://schemas.openxmlformats.org/drawingml/2006/main" xmlns:r="http://schemas.openxmlformats.org/officeDocument/2006/relationships" xmlns:p="http://schemas.openxmlformats.org/presentationml/2006/main">
   <p:cSld>
     <p:bg>
@@ -8807,7 +9119,7 @@
 </p:sld>
 </file>
 
-<file path=ppt/slides/slide21.xml><?xml version="1.0" encoding="utf-8"?>
+<file path=ppt/slides/slide22.xml><?xml version="1.0" encoding="utf-8"?>
 <p:sld xmlns:a="http://schemas.openxmlformats.org/drawingml/2006/main" xmlns:r="http://schemas.openxmlformats.org/officeDocument/2006/relationships" xmlns:p="http://schemas.openxmlformats.org/presentationml/2006/main">
   <p:cSld>
     <p:spTree>
@@ -9034,6 +9346,21 @@
           <a:p>
             <a:endParaRPr lang="en-US" sz="2560" dirty="0"/>
           </a:p>
+          <a:p>
+            <a:r>
+              <a:rPr lang="en-US" sz="2560" dirty="0"/>
+              <a:t>O and X represents labelled data</a:t>
+            </a:r>
+          </a:p>
+          <a:p>
+            <a:r>
+              <a:rPr lang="en-US" sz="2560" dirty="0"/>
+              <a:t>Color indicates the ground truth</a:t>
+            </a:r>
+          </a:p>
+          <a:p>
+            <a:endParaRPr lang="en-US" sz="2560" dirty="0"/>
+          </a:p>
         </p:txBody>
       </p:sp>
     </p:spTree>
@@ -9049,7 +9376,7 @@
 </p:sld>
 </file>
 
-<file path=ppt/slides/slide22.xml><?xml version="1.0" encoding="utf-8"?>
+<file path=ppt/slides/slide23.xml><?xml version="1.0" encoding="utf-8"?>
 <p:sld xmlns:a="http://schemas.openxmlformats.org/drawingml/2006/main" xmlns:r="http://schemas.openxmlformats.org/officeDocument/2006/relationships" xmlns:p="http://schemas.openxmlformats.org/presentationml/2006/main">
   <p:cSld>
     <p:spTree>
@@ -9308,7 +9635,7 @@
         </p:nvGraphicFramePr>
         <p:xfrm>
           <a:off x="826837" y="5035451"/>
-          <a:ext cx="6333067" cy="1168175"/>
+          <a:ext cx="6333067" cy="1168176"/>
         </p:xfrm>
         <a:graphic>
           <a:graphicData uri="http://schemas.openxmlformats.org/drawingml/2006/table">
@@ -9768,7 +10095,7 @@
 </p:sld>
 </file>
 
-<file path=ppt/slides/slide23.xml><?xml version="1.0" encoding="utf-8"?>
+<file path=ppt/slides/slide24.xml><?xml version="1.0" encoding="utf-8"?>
 <p:sld xmlns:a="http://schemas.openxmlformats.org/drawingml/2006/main" xmlns:r="http://schemas.openxmlformats.org/officeDocument/2006/relationships" xmlns:p="http://schemas.openxmlformats.org/presentationml/2006/main">
   <p:cSld>
     <p:spTree>
@@ -9901,7 +10228,7 @@
         </p:blipFill>
         <p:spPr>
           <a:xfrm>
-            <a:off x="2182450" y="3006109"/>
+            <a:off x="2182450" y="2978401"/>
             <a:ext cx="8639900" cy="4687146"/>
           </a:xfrm>
           <a:prstGeom prst="rect">
@@ -9933,13 +10260,42 @@
           <a:p>
             <a:pPr algn="ctr"/>
             <a:r>
-              <a:rPr lang="en-US" sz="3413">
+              <a:rPr lang="en-US" sz="3413" dirty="0">
                 <a:solidFill>
                   <a:schemeClr val="bg1"/>
                 </a:solidFill>
               </a:rPr>
-              <a:t>Accuracy as number of checked points</a:t>
-            </a:r>
+              <a:t>Accuracy comparison between </a:t>
+            </a:r>
+            <a:r>
+              <a:rPr lang="en-US" sz="3413" dirty="0" err="1">
+                <a:solidFill>
+                  <a:schemeClr val="bg1"/>
+                </a:solidFill>
+              </a:rPr>
+              <a:t>kmeans</a:t>
+            </a:r>
+            <a:r>
+              <a:rPr lang="en-US" sz="3413" dirty="0">
+                <a:solidFill>
+                  <a:schemeClr val="bg1"/>
+                </a:solidFill>
+              </a:rPr>
+              <a:t>++ and </a:t>
+            </a:r>
+            <a:r>
+              <a:rPr lang="en-US" sz="3413" dirty="0" err="1">
+                <a:solidFill>
+                  <a:schemeClr val="bg1"/>
+                </a:solidFill>
+              </a:rPr>
+              <a:t>graphcut</a:t>
+            </a:r>
+            <a:endParaRPr lang="en-US" sz="3413" dirty="0">
+              <a:solidFill>
+                <a:schemeClr val="bg1"/>
+              </a:solidFill>
+            </a:endParaRPr>
           </a:p>
         </p:txBody>
       </p:sp>
@@ -9956,7 +10312,7 @@
 </p:sld>
 </file>
 
-<file path=ppt/slides/slide24.xml><?xml version="1.0" encoding="utf-8"?>
+<file path=ppt/slides/slide25.xml><?xml version="1.0" encoding="utf-8"?>
 <p:sld xmlns:a="http://schemas.openxmlformats.org/drawingml/2006/main" xmlns:r="http://schemas.openxmlformats.org/officeDocument/2006/relationships" xmlns:p="http://schemas.openxmlformats.org/presentationml/2006/main">
   <p:cSld>
     <p:bg>
@@ -10067,7 +10423,7 @@
 </p:sld>
 </file>
 
-<file path=ppt/slides/slide25.xml><?xml version="1.0" encoding="utf-8"?>
+<file path=ppt/slides/slide26.xml><?xml version="1.0" encoding="utf-8"?>
 <p:sld xmlns:a="http://schemas.openxmlformats.org/drawingml/2006/main" xmlns:r="http://schemas.openxmlformats.org/officeDocument/2006/relationships" xmlns:p="http://schemas.openxmlformats.org/presentationml/2006/main">
   <p:cSld>
     <p:bg>
@@ -10166,7 +10522,7 @@
 </p:sld>
 </file>
 
-<file path=ppt/slides/slide26.xml><?xml version="1.0" encoding="utf-8"?>
+<file path=ppt/slides/slide27.xml><?xml version="1.0" encoding="utf-8"?>
 <p:sld xmlns:a="http://schemas.openxmlformats.org/drawingml/2006/main" xmlns:r="http://schemas.openxmlformats.org/officeDocument/2006/relationships" xmlns:p="http://schemas.openxmlformats.org/presentationml/2006/main">
   <p:cSld>
     <p:spTree>
@@ -10267,7 +10623,7 @@
           </a:ln>
           <a:extLst>
             <a:ext uri="{C572A759-6A51-4108-AA02-DFA0A04FC94B}">
-              <ma14:wrappingTextBoxFlag xmlns="" xmlns:ma14="http://schemas.microsoft.com/office/mac/drawingml/2011/main" val="1"/>
+              <ma14:wrappingTextBoxFlag xmlns:ma14="http://schemas.microsoft.com/office/mac/drawingml/2011/main" xmlns="" val="1"/>
             </a:ext>
           </a:extLst>
         </p:spPr>
@@ -10818,7 +11174,7 @@
           </a:ln>
           <a:extLst>
             <a:ext uri="{C572A759-6A51-4108-AA02-DFA0A04FC94B}">
-              <ma14:wrappingTextBoxFlag xmlns="" xmlns:ma14="http://schemas.microsoft.com/office/mac/drawingml/2011/main" val="1"/>
+              <ma14:wrappingTextBoxFlag xmlns:ma14="http://schemas.microsoft.com/office/mac/drawingml/2011/main" xmlns="" val="1"/>
             </a:ext>
           </a:extLst>
         </p:spPr>
@@ -11220,6 +11576,7 @@
               <a:buChar char="•"/>
             </a:pPr>
             <a:r>
+              <a:rPr dirty="0"/>
               <a:t>Target: Classification From Feature Analysis of The Reads Data</a:t>
             </a:r>
           </a:p>
@@ -11229,6 +11586,7 @@
               <a:buChar char="•"/>
             </a:pPr>
             <a:r>
+              <a:rPr dirty="0"/>
               <a:t>Data: SRA</a:t>
             </a:r>
           </a:p>
@@ -11238,6 +11596,7 @@
               <a:buChar char="•"/>
             </a:pPr>
             <a:r>
+              <a:rPr dirty="0"/>
               <a:t>Features:  three types of features</a:t>
             </a:r>
           </a:p>
@@ -11252,10 +11611,11 @@
               </a:defRPr>
             </a:pPr>
             <a:r>
+              <a:rPr dirty="0"/>
               <a:t>Methodology: </a:t>
             </a:r>
             <a:r>
-              <a:rPr>
+              <a:rPr dirty="0">
                 <a:solidFill>
                   <a:srgbClr val="FFFFFF"/>
                 </a:solidFill>
@@ -11269,6 +11629,7 @@
               <a:buNone/>
             </a:pPr>
             <a:r>
+              <a:rPr dirty="0"/>
               <a:t>1. Supervised learning: Lasso &amp; SVM</a:t>
             </a:r>
           </a:p>
@@ -11278,7 +11639,16 @@
               <a:buNone/>
             </a:pPr>
             <a:r>
-              <a:t>2. Unsupervised learning</a:t>
+              <a:rPr dirty="0"/>
+              <a:t>2. </a:t>
+            </a:r>
+            <a:r>
+              <a:rPr lang="en-US" dirty="0"/>
+              <a:t>semi-</a:t>
+            </a:r>
+            <a:r>
+              <a:rPr dirty="0"/>
+              <a:t>supervised learning</a:t>
             </a:r>
           </a:p>
         </p:txBody>
